--- a/presentation/ILIS (Item Lending Intermediary Service).pptx
+++ b/presentation/ILIS (Item Lending Intermediary Service).pptx
@@ -285,7 +285,7 @@
           <a:p>
             <a:fld id="{72EA7947-E287-4738-8C82-07CE4F01EF03}" type="datetime2">
               <a:rPr lang="en-US" smtClean="0"/>
-              <a:t>Friday, March 5, 2021</a:t>
+              <a:t>Saturday, March 6, 2021</a:t>
             </a:fld>
             <a:endParaRPr lang="en-US" dirty="0"/>
           </a:p>
@@ -1321,7 +1321,7 @@
           <a:p>
             <a:fld id="{EE2EBD84-71F4-4271-8C46-0D47C0A9B12E}" type="datetime2">
               <a:rPr lang="en-US" smtClean="0"/>
-              <a:t>Friday, March 5, 2021</a:t>
+              <a:t>Saturday, March 6, 2021</a:t>
             </a:fld>
             <a:endParaRPr lang="en-US"/>
           </a:p>
@@ -1532,7 +1532,7 @@
           <a:p>
             <a:fld id="{ABAE0CE1-F450-4107-B2CB-17B18F8A3F4A}" type="datetime2">
               <a:rPr lang="en-US" smtClean="0"/>
-              <a:t>Friday, March 5, 2021</a:t>
+              <a:t>Saturday, March 6, 2021</a:t>
             </a:fld>
             <a:endParaRPr lang="en-US"/>
           </a:p>
@@ -2197,7 +2197,7 @@
           <a:p>
             <a:fld id="{6FE8C025-CD7A-4966-867E-81CF82B15267}" type="datetime2">
               <a:rPr lang="en-US" smtClean="0"/>
-              <a:t>Friday, March 5, 2021</a:t>
+              <a:t>Saturday, March 6, 2021</a:t>
             </a:fld>
             <a:endParaRPr lang="en-US"/>
           </a:p>
@@ -2817,7 +2817,7 @@
           <a:p>
             <a:fld id="{FE809929-0719-4517-94D6-FDF7F99E70F6}" type="datetime2">
               <a:rPr lang="en-US" smtClean="0"/>
-              <a:t>Friday, March 5, 2021</a:t>
+              <a:t>Saturday, March 6, 2021</a:t>
             </a:fld>
             <a:endParaRPr lang="en-US"/>
           </a:p>
@@ -3935,7 +3935,7 @@
           <a:p>
             <a:fld id="{20E95673-5512-4AAA-9AEB-E00C61EC65D5}" type="datetime2">
               <a:rPr lang="en-US" smtClean="0"/>
-              <a:t>Friday, March 5, 2021</a:t>
+              <a:t>Saturday, March 6, 2021</a:t>
             </a:fld>
             <a:endParaRPr lang="en-US"/>
           </a:p>
@@ -4482,7 +4482,7 @@
           <a:p>
             <a:fld id="{C13138FA-2E87-4873-8BBA-13E447C9A99A}" type="datetime2">
               <a:rPr lang="en-US" smtClean="0"/>
-              <a:t>Friday, March 5, 2021</a:t>
+              <a:t>Saturday, March 6, 2021</a:t>
             </a:fld>
             <a:endParaRPr lang="en-US"/>
           </a:p>
@@ -4643,7 +4643,7 @@
           <a:p>
             <a:fld id="{D75BB40A-97BD-4BFB-B639-0BFF95FDE8B7}" type="datetime2">
               <a:rPr lang="en-US" smtClean="0"/>
-              <a:t>Friday, March 5, 2021</a:t>
+              <a:t>Saturday, March 6, 2021</a:t>
             </a:fld>
             <a:endParaRPr lang="en-US"/>
           </a:p>
@@ -5678,7 +5678,7 @@
           <a:p>
             <a:fld id="{9EE9E0E3-ECF6-4CFE-8698-AEFEBCECC3C0}" type="datetime2">
               <a:rPr lang="en-US" smtClean="0"/>
-              <a:t>Friday, March 5, 2021</a:t>
+              <a:t>Saturday, March 6, 2021</a:t>
             </a:fld>
             <a:endParaRPr lang="en-US"/>
           </a:p>
@@ -6324,7 +6324,7 @@
           <a:p>
             <a:fld id="{251462FC-960E-4740-921F-B36862979F21}" type="datetime2">
               <a:rPr lang="en-US" smtClean="0"/>
-              <a:t>Friday, March 5, 2021</a:t>
+              <a:t>Saturday, March 6, 2021</a:t>
             </a:fld>
             <a:endParaRPr lang="en-US"/>
           </a:p>
@@ -7088,7 +7088,7 @@
           <a:p>
             <a:fld id="{E50BC9E2-CB44-4C05-9BB5-496C18A241E0}" type="datetime2">
               <a:rPr lang="en-US" smtClean="0"/>
-              <a:t>Friday, March 5, 2021</a:t>
+              <a:t>Saturday, March 6, 2021</a:t>
             </a:fld>
             <a:endParaRPr lang="en-US"/>
           </a:p>
@@ -7351,7 +7351,7 @@
           <a:p>
             <a:fld id="{246CB39B-5F4C-4A7E-9BE3-AAFD45576D16}" type="datetime2">
               <a:rPr lang="en-US" smtClean="0"/>
-              <a:t>Friday, March 5, 2021</a:t>
+              <a:t>Saturday, March 6, 2021</a:t>
             </a:fld>
             <a:endParaRPr lang="en-US" dirty="0"/>
           </a:p>
@@ -8427,10 +8427,10 @@
       </p:sp>
       <p:pic>
         <p:nvPicPr>
-          <p:cNvPr id="1026" name="Picture 2">
+          <p:cNvPr id="3" name="Picture 2">
             <a:extLst>
               <a:ext uri="{FF2B5EF4-FFF2-40B4-BE49-F238E27FC236}">
-                <a16:creationId xmlns:a16="http://schemas.microsoft.com/office/drawing/2014/main" id="{928758F9-470F-401E-AA06-88BB3B63CED5}"/>
+                <a16:creationId xmlns:a16="http://schemas.microsoft.com/office/drawing/2014/main" id="{E0CC8042-60C1-40CA-A9B4-66BF73BB12D7}"/>
               </a:ext>
             </a:extLst>
           </p:cNvPr>
@@ -8454,8 +8454,8 @@
         </p:blipFill>
         <p:spPr bwMode="auto">
           <a:xfrm>
-            <a:off x="819150" y="552450"/>
-            <a:ext cx="10553700" cy="6305550"/>
+            <a:off x="471487" y="552450"/>
+            <a:ext cx="11249025" cy="6305550"/>
           </a:xfrm>
           <a:prstGeom prst="rect">
             <a:avLst/>
@@ -10152,12 +10152,12 @@
               <a:t>1. ALL GET /&lt;</a:t>
             </a:r>
             <a:r>
-              <a:rPr lang="en-US" sz="2000">
-                <a:solidFill>
-                  <a:schemeClr val="bg1"/>
-                </a:solidFill>
-              </a:rPr>
-              <a:t>images_name&gt; </a:t>
+              <a:rPr lang="en-US" sz="2000" dirty="0" err="1">
+                <a:solidFill>
+                  <a:schemeClr val="bg1"/>
+                </a:solidFill>
+              </a:rPr>
+              <a:t>image_name</a:t>
             </a:r>
             <a:r>
               <a:rPr lang="en-US" sz="2000" dirty="0">
@@ -10165,7 +10165,7 @@
                   <a:schemeClr val="bg1"/>
                 </a:solidFill>
               </a:rPr>
-              <a:t>- </a:t>
+              <a:t>&gt; - </a:t>
             </a:r>
             <a:r>
               <a:rPr lang="ru-RU" sz="2000" dirty="0">
